--- a/Present_RAN_eff.pptx
+++ b/Present_RAN_eff.pptx
@@ -221,7 +221,7 @@
           <a:p>
             <a:fld id="{5CF690D7-ECB4-49E5-91E5-72728DAFC7FF}" type="datetimeFigureOut">
               <a:rPr lang="en-US" smtClean="0"/>
-              <a:t>10/3/2022</a:t>
+              <a:t>10/4/2022</a:t>
             </a:fld>
             <a:endParaRPr lang="en-US"/>
           </a:p>
@@ -6297,31 +6297,7 @@
                 <a:ea typeface="+mn-ea"/>
                 <a:cs typeface="+mn-cs"/>
               </a:rPr>
-              <a:t>S-GW: Serving Gateway – for routing and forwarding </a:t>
-            </a:r>
-            <a:r>
-              <a:rPr lang="en-US" sz="1050" b="0" i="0" kern="1200" dirty="0" smtClean="0">
-                <a:solidFill>
-                  <a:schemeClr val="tx1"/>
-                </a:solidFill>
-                <a:effectLst/>
-                <a:latin typeface="+mn-lt"/>
-                <a:ea typeface="+mn-ea"/>
-                <a:cs typeface="+mn-cs"/>
-              </a:rPr>
-              <a:t>of user </a:t>
-            </a:r>
-            <a:r>
-              <a:rPr lang="en-US" sz="1050" b="0" i="0" kern="1200" dirty="0" smtClean="0">
-                <a:solidFill>
-                  <a:schemeClr val="tx1"/>
-                </a:solidFill>
-                <a:effectLst/>
-                <a:latin typeface="+mn-lt"/>
-                <a:ea typeface="+mn-ea"/>
-                <a:cs typeface="+mn-cs"/>
-              </a:rPr>
-              <a:t>data packets, mobility with 2G/3G</a:t>
+              <a:t>S-GW: Serving Gateway – for routing and forwarding of user data packets, mobility with 2G/3G</a:t>
             </a:r>
           </a:p>
           <a:p>
@@ -9069,19 +9045,7 @@
                 <a:ea typeface="+mn-ea"/>
                 <a:cs typeface="+mn-cs"/>
               </a:rPr>
-              <a:t> 4G </a:t>
-            </a:r>
-            <a:r>
-              <a:rPr lang="en-US" sz="1200" b="0" i="0" kern="1200" baseline="0" dirty="0" smtClean="0">
-                <a:solidFill>
-                  <a:schemeClr val="tx1"/>
-                </a:solidFill>
-                <a:effectLst/>
-                <a:latin typeface="+mn-lt"/>
-                <a:ea typeface="+mn-ea"/>
-                <a:cs typeface="+mn-cs"/>
-              </a:rPr>
-              <a:t>HSS</a:t>
+              <a:t> 4G HSS</a:t>
             </a:r>
           </a:p>
           <a:p>
@@ -10725,11 +10689,7 @@
             </a:r>
             <a:r>
               <a:rPr lang="en-US" baseline="0" dirty="0" smtClean="0"/>
-              <a:t> opt </a:t>
-            </a:r>
-            <a:r>
-              <a:rPr lang="en-US" baseline="0" dirty="0" smtClean="0"/>
-              <a:t>8</a:t>
+              <a:t> opt 8</a:t>
             </a:r>
           </a:p>
           <a:p>
@@ -12210,15 +12170,7 @@
           <a:p>
             <a:r>
               <a:rPr lang="en-US" dirty="0" smtClean="0"/>
-              <a:t>This slide the protocol stack </a:t>
-            </a:r>
-            <a:r>
-              <a:rPr lang="en-US" dirty="0" smtClean="0"/>
-              <a:t>of </a:t>
-            </a:r>
-            <a:r>
-              <a:rPr lang="en-US" dirty="0" smtClean="0"/>
-              <a:t>the splits where the user plane</a:t>
+              <a:t>This slide the protocol stack of the splits where the user plane</a:t>
             </a:r>
             <a:r>
               <a:rPr lang="en-US" baseline="0" dirty="0" smtClean="0"/>
@@ -12238,11 +12190,7 @@
             </a:r>
             <a:r>
               <a:rPr lang="en-US" baseline="0" dirty="0" smtClean="0"/>
-              <a:t>) CU and the rest specifically RLC MAC and PHY are in DU</a:t>
-            </a:r>
-            <a:r>
-              <a:rPr lang="en-US" baseline="0" dirty="0" smtClean="0"/>
-              <a:t>.</a:t>
+              <a:t>) CU and the rest specifically RLC MAC and PHY are in DU.</a:t>
             </a:r>
           </a:p>
           <a:p>
@@ -12654,11 +12602,7 @@
           <a:p>
             <a:r>
               <a:rPr lang="en-US" baseline="0" dirty="0" smtClean="0"/>
-              <a:t>They </a:t>
-            </a:r>
-            <a:r>
-              <a:rPr lang="en-US" baseline="0" dirty="0" smtClean="0"/>
-              <a:t>are RRC protocol is also in CU.as pretty much all other NG RAN control plane network interfaces .The F1C that is the controlling part of the f1 interface run on top of http .The f1 application protocol which is used f1C interface supports interface management procedures .UE context management RRC message transfer system information and paging procedures .Therefore new interface that is f1 user plane uses </a:t>
+              <a:t>They are RRC protocol is also in CU.as pretty much all other NG RAN control plane network interfaces .The F1C that is the controlling part of the f1 interface run on top of http .The f1 application protocol which is used f1C interface supports interface management procedures .UE context management RRC message transfer system information and paging procedures .Therefore new interface that is f1 user plane uses </a:t>
             </a:r>
             <a:r>
               <a:rPr lang="en-US" baseline="0" dirty="0" err="1" smtClean="0"/>
@@ -14812,11 +14756,7 @@
           <a:p>
             <a:r>
               <a:rPr lang="en-US" dirty="0" smtClean="0"/>
-              <a:t>In </a:t>
-            </a:r>
-            <a:r>
-              <a:rPr lang="en-US" dirty="0" smtClean="0"/>
-              <a:t>addition to CU DU  split described</a:t>
+              <a:t>In addition to CU DU  split described</a:t>
             </a:r>
             <a:r>
               <a:rPr lang="en-US" baseline="0" dirty="0" smtClean="0"/>
@@ -14834,7 +14774,51 @@
             </a:r>
             <a:r>
               <a:rPr lang="en-US" baseline="0" dirty="0" smtClean="0"/>
-              <a:t> CU .That is the centralized entity hosting PDCP is further split into a control plane node referred to by tongue twister observation </a:t>
+              <a:t> CU .That is the centralized </a:t>
+            </a:r>
+            <a:r>
+              <a:rPr lang="en-US" b="1" baseline="0" dirty="0" smtClean="0"/>
+              <a:t>entity </a:t>
+            </a:r>
+            <a:r>
+              <a:rPr lang="en-US" b="1" baseline="0" dirty="0" smtClean="0"/>
+              <a:t>hosting  ( </a:t>
+            </a:r>
+            <a:r>
+              <a:rPr lang="en-US" b="1" baseline="0" dirty="0" err="1" smtClean="0"/>
+              <a:t>tổ</a:t>
+            </a:r>
+            <a:r>
+              <a:rPr lang="en-US" b="1" baseline="0" dirty="0" smtClean="0"/>
+              <a:t> </a:t>
+            </a:r>
+            <a:r>
+              <a:rPr lang="en-US" b="1" baseline="0" dirty="0" err="1" smtClean="0"/>
+              <a:t>chức</a:t>
+            </a:r>
+            <a:r>
+              <a:rPr lang="en-US" b="1" baseline="0" dirty="0" smtClean="0"/>
+              <a:t> </a:t>
+            </a:r>
+            <a:r>
+              <a:rPr lang="en-US" b="1" baseline="0" dirty="0" err="1" smtClean="0"/>
+              <a:t>lưu</a:t>
+            </a:r>
+            <a:r>
+              <a:rPr lang="en-US" b="1" baseline="0" dirty="0" smtClean="0"/>
+              <a:t> </a:t>
+            </a:r>
+            <a:r>
+              <a:rPr lang="en-US" b="1" baseline="0" dirty="0" err="1" smtClean="0"/>
+              <a:t>trữ</a:t>
+            </a:r>
+            <a:r>
+              <a:rPr lang="en-US" baseline="0" dirty="0" smtClean="0"/>
+              <a:t>) </a:t>
+            </a:r>
+            <a:r>
+              <a:rPr lang="en-US" baseline="0" dirty="0" smtClean="0"/>
+              <a:t>PDCP is further split into a control plane node referred to by tongue twister observation </a:t>
             </a:r>
             <a:r>
               <a:rPr lang="en-US" baseline="0" dirty="0" err="1" smtClean="0"/>
@@ -14860,11 +14844,38 @@
           <a:p>
             <a:r>
               <a:rPr lang="en-US" baseline="0" dirty="0" smtClean="0"/>
-              <a:t>This </a:t>
-            </a:r>
-            <a:r>
-              <a:rPr lang="en-US" baseline="0" dirty="0" smtClean="0"/>
-              <a:t>is architecture follow somewhat loosely the SDN concept. So that the CU UP is purely  a user plane node which can be implemented in hardware and </a:t>
+              <a:t>(</a:t>
+            </a:r>
+            <a:endParaRPr lang="en-US" baseline="0" dirty="0" smtClean="0"/>
+          </a:p>
+          <a:p>
+            <a:r>
+              <a:rPr lang="en-US" baseline="0" dirty="0" smtClean="0"/>
+              <a:t>This is architecture follow somewhat loosely the SDN concept. So that the CU UP is </a:t>
+            </a:r>
+            <a:r>
+              <a:rPr lang="en-US" b="1" baseline="0" dirty="0" smtClean="0"/>
+              <a:t>purely ( </a:t>
+            </a:r>
+            <a:r>
+              <a:rPr lang="en-US" b="1" baseline="0" dirty="0" err="1" smtClean="0"/>
+              <a:t>hoàn</a:t>
+            </a:r>
+            <a:r>
+              <a:rPr lang="en-US" b="1" baseline="0" dirty="0" smtClean="0"/>
+              <a:t> </a:t>
+            </a:r>
+            <a:r>
+              <a:rPr lang="en-US" b="1" baseline="0" dirty="0" err="1" smtClean="0"/>
+              <a:t>toàn</a:t>
+            </a:r>
+            <a:r>
+              <a:rPr lang="en-US" baseline="0" dirty="0" smtClean="0"/>
+              <a:t>)  </a:t>
+            </a:r>
+            <a:r>
+              <a:rPr lang="en-US" baseline="0" dirty="0" smtClean="0"/>
+              <a:t>a user plane node which can be implemented in hardware and </a:t>
             </a:r>
             <a:r>
               <a:rPr lang="en-US" b="1" baseline="0" dirty="0" smtClean="0"/>
@@ -14944,7 +14955,43 @@
             </a:r>
             <a:r>
               <a:rPr lang="en-US" baseline="0" dirty="0" smtClean="0"/>
-              <a:t>of the rest of the 5G RAN. Additionally , this is architecture also for some level of centralization at least for RRM ( Radio resource management)  function in this CU-CP. The idea of the control user plane separation started with the core network in LTE where it was added as a later feature referred to as CUPS. The 5GC  was designed with this idea in mind from the beginning and so was NG RAN. The E1 interface connecting CP and UP nodes is a bit different compared to the other that will interface that we described specifically .First it is a control plane on the interface. There is no user plane data going on E1 and second. It is designed to operate on barriers not UEs. and therefore supports only two set of producers interface management producers and very context management producers.</a:t>
+              <a:t>of the rest of the 5G RAN. Additionally , this is architecture also for some level of centralization at least for RRM ( Radio resource management)  function in this CU-CP. The idea of the control user plane separation started with the core network in LTE where it was added as a later feature referred to as </a:t>
+            </a:r>
+            <a:r>
+              <a:rPr lang="en-US" baseline="0" dirty="0" smtClean="0"/>
+              <a:t>CUPS (</a:t>
+            </a:r>
+            <a:r>
+              <a:rPr lang="en-US" sz="1200" b="0" i="0" kern="1200" dirty="0" smtClean="0">
+                <a:solidFill>
+                  <a:schemeClr val="tx1"/>
+                </a:solidFill>
+                <a:effectLst/>
+                <a:latin typeface="+mn-lt"/>
+                <a:ea typeface="+mn-ea"/>
+                <a:cs typeface="+mn-cs"/>
+              </a:rPr>
+              <a:t>Control and User </a:t>
+            </a:r>
+            <a:r>
+              <a:rPr lang="en-US" sz="1200" b="0" i="0" kern="1200" smtClean="0">
+                <a:solidFill>
+                  <a:schemeClr val="tx1"/>
+                </a:solidFill>
+                <a:effectLst/>
+                <a:latin typeface="+mn-lt"/>
+                <a:ea typeface="+mn-ea"/>
+                <a:cs typeface="+mn-cs"/>
+              </a:rPr>
+              <a:t>Plane Separation)</a:t>
+            </a:r>
+            <a:r>
+              <a:rPr lang="en-US" baseline="0" smtClean="0"/>
+              <a:t>. </a:t>
+            </a:r>
+            <a:r>
+              <a:rPr lang="en-US" baseline="0" dirty="0" smtClean="0"/>
+              <a:t>The 5GC  was designed with this idea in mind from the beginning and so was NG RAN. The E1 interface connecting CP and UP nodes is a bit different compared to the other that will interface that we described specifically .First it is a control plane on the interface. There is no user plane data going on E1 and second. It is designed to operate on barriers not UEs. and therefore supports only two set of producers interface management producers and very context management producers.</a:t>
             </a:r>
           </a:p>
           <a:p>
@@ -15087,15 +15134,7 @@
             </a:r>
             <a:r>
               <a:rPr lang="en-US" baseline="0" dirty="0" smtClean="0"/>
-              <a:t> example. Following the initial </a:t>
-            </a:r>
-            <a:r>
-              <a:rPr lang="en-US" baseline="0" dirty="0" smtClean="0"/>
-              <a:t>UE-context </a:t>
-            </a:r>
-            <a:r>
-              <a:rPr lang="en-US" baseline="0" dirty="0" smtClean="0"/>
-              <a:t>setup request from the corner network .Then in step one CP sends the barrier context setup request message containing up </a:t>
+              <a:t> example. Following the initial UE-context setup request from the corner network .Then in step one CP sends the barrier context setup request message containing up </a:t>
             </a:r>
             <a:r>
               <a:rPr lang="en-US" baseline="0" dirty="0" err="1" smtClean="0"/>
@@ -18378,13 +18417,8 @@
             </a:r>
             <a:r>
               <a:rPr lang="en-US" baseline="0" dirty="0" smtClean="0"/>
-              <a:t> ) some of the new data center architectures. </a:t>
-            </a:r>
-            <a:r>
-              <a:rPr lang="en-US" baseline="0" dirty="0" smtClean="0"/>
-              <a:t> </a:t>
-            </a:r>
-            <a:endParaRPr lang="en-US" baseline="0" dirty="0" smtClean="0"/>
+              <a:t> ) some of the new data center architectures.  </a:t>
+            </a:r>
           </a:p>
           <a:p>
             <a:r>
@@ -18395,11 +18429,7 @@
           <a:p>
             <a:r>
               <a:rPr lang="en-US" baseline="0" dirty="0" smtClean="0"/>
-              <a:t>Now </a:t>
-            </a:r>
-            <a:r>
-              <a:rPr lang="en-US" baseline="0" dirty="0" smtClean="0"/>
-              <a:t>.we are seeing the introduction of two innovations ( </a:t>
+              <a:t>Now .we are seeing the introduction of two innovations ( </a:t>
             </a:r>
             <a:r>
               <a:rPr lang="en-US" baseline="0" dirty="0" err="1" smtClean="0"/>
@@ -18908,15 +18938,6 @@
               </a:rPr>
               <a:t>Multi-access Edge Computing (MEC) is a network solution that provides services and computing functions required by users on edge nodes. </a:t>
             </a:r>
-            <a:endParaRPr lang="en-US" sz="1200" b="0" i="0" kern="1200" dirty="0" smtClean="0">
-              <a:solidFill>
-                <a:schemeClr val="tx1"/>
-              </a:solidFill>
-              <a:effectLst/>
-              <a:latin typeface="+mn-lt"/>
-              <a:ea typeface="+mn-ea"/>
-              <a:cs typeface="+mn-cs"/>
-            </a:endParaRPr>
           </a:p>
           <a:p>
             <a:r>
@@ -18929,19 +18950,7 @@
                 <a:ea typeface="+mn-ea"/>
                 <a:cs typeface="+mn-cs"/>
               </a:rPr>
-              <a:t>It </a:t>
-            </a:r>
-            <a:r>
-              <a:rPr lang="en-US" sz="1200" b="0" i="0" kern="1200" dirty="0" smtClean="0">
-                <a:solidFill>
-                  <a:schemeClr val="tx1"/>
-                </a:solidFill>
-                <a:effectLst/>
-                <a:latin typeface="+mn-lt"/>
-                <a:ea typeface="+mn-ea"/>
-                <a:cs typeface="+mn-cs"/>
-              </a:rPr>
-              <a:t>makes application services and content closer to users and implements network collaboration, providing users with reliable and ultimate service experience.</a:t>
+              <a:t>It makes application services and content closer to users and implements network collaboration, providing users with reliable and ultimate service experience.</a:t>
             </a:r>
           </a:p>
           <a:p>
@@ -20037,7 +20046,7 @@
           <a:p>
             <a:fld id="{48A87A34-81AB-432B-8DAE-1953F412C126}" type="datetimeFigureOut">
               <a:rPr lang="en-US" smtClean="0"/>
-              <a:t>10/3/2022</a:t>
+              <a:t>10/4/2022</a:t>
             </a:fld>
             <a:endParaRPr lang="en-US" dirty="0"/>
           </a:p>
@@ -20313,7 +20322,7 @@
             <a:fld id="{48A87A34-81AB-432B-8DAE-1953F412C126}" type="datetimeFigureOut">
               <a:rPr lang="en-US" smtClean="0"/>
               <a:pPr/>
-              <a:t>10/3/2022</a:t>
+              <a:t>10/4/2022</a:t>
             </a:fld>
             <a:endParaRPr lang="en-US" dirty="0"/>
           </a:p>
@@ -20509,7 +20518,7 @@
             <a:fld id="{48A87A34-81AB-432B-8DAE-1953F412C126}" type="datetimeFigureOut">
               <a:rPr lang="en-US" smtClean="0"/>
               <a:pPr/>
-              <a:t>10/3/2022</a:t>
+              <a:t>10/4/2022</a:t>
             </a:fld>
             <a:endParaRPr lang="en-US" dirty="0"/>
           </a:p>
@@ -20784,7 +20793,7 @@
             <a:fld id="{48A87A34-81AB-432B-8DAE-1953F412C126}" type="datetimeFigureOut">
               <a:rPr lang="en-US" smtClean="0"/>
               <a:pPr/>
-              <a:t>10/3/2022</a:t>
+              <a:t>10/4/2022</a:t>
             </a:fld>
             <a:endParaRPr lang="en-US" dirty="0"/>
           </a:p>
@@ -21127,7 +21136,7 @@
             <a:fld id="{48A87A34-81AB-432B-8DAE-1953F412C126}" type="datetimeFigureOut">
               <a:rPr lang="en-US" smtClean="0"/>
               <a:pPr/>
-              <a:t>10/3/2022</a:t>
+              <a:t>10/4/2022</a:t>
             </a:fld>
             <a:endParaRPr lang="en-US" dirty="0"/>
           </a:p>
@@ -21752,7 +21761,7 @@
             <a:fld id="{48A87A34-81AB-432B-8DAE-1953F412C126}" type="datetimeFigureOut">
               <a:rPr lang="en-US" smtClean="0"/>
               <a:pPr/>
-              <a:t>10/3/2022</a:t>
+              <a:t>10/4/2022</a:t>
             </a:fld>
             <a:endParaRPr lang="en-US" dirty="0"/>
           </a:p>
@@ -22614,7 +22623,7 @@
             <a:fld id="{48A87A34-81AB-432B-8DAE-1953F412C126}" type="datetimeFigureOut">
               <a:rPr lang="en-US" smtClean="0"/>
               <a:pPr/>
-              <a:t>10/3/2022</a:t>
+              <a:t>10/4/2022</a:t>
             </a:fld>
             <a:endParaRPr lang="en-US" dirty="0"/>
           </a:p>
@@ -22785,7 +22794,7 @@
           <a:p>
             <a:fld id="{48A87A34-81AB-432B-8DAE-1953F412C126}" type="datetimeFigureOut">
               <a:rPr lang="en-US" smtClean="0"/>
-              <a:t>10/3/2022</a:t>
+              <a:t>10/4/2022</a:t>
             </a:fld>
             <a:endParaRPr lang="en-US" dirty="0"/>
           </a:p>
@@ -22965,7 +22974,7 @@
           <a:p>
             <a:fld id="{48A87A34-81AB-432B-8DAE-1953F412C126}" type="datetimeFigureOut">
               <a:rPr lang="en-US" smtClean="0"/>
-              <a:t>10/3/2022</a:t>
+              <a:t>10/4/2022</a:t>
             </a:fld>
             <a:endParaRPr lang="en-US" dirty="0"/>
           </a:p>
@@ -23135,7 +23144,7 @@
           <a:p>
             <a:fld id="{48A87A34-81AB-432B-8DAE-1953F412C126}" type="datetimeFigureOut">
               <a:rPr lang="en-US" smtClean="0"/>
-              <a:t>10/3/2022</a:t>
+              <a:t>10/4/2022</a:t>
             </a:fld>
             <a:endParaRPr lang="en-US" dirty="0"/>
           </a:p>
@@ -23382,7 +23391,7 @@
           <a:p>
             <a:fld id="{48A87A34-81AB-432B-8DAE-1953F412C126}" type="datetimeFigureOut">
               <a:rPr lang="en-US" smtClean="0"/>
-              <a:t>10/3/2022</a:t>
+              <a:t>10/4/2022</a:t>
             </a:fld>
             <a:endParaRPr lang="en-US" dirty="0"/>
           </a:p>
@@ -23674,7 +23683,7 @@
           <a:p>
             <a:fld id="{48A87A34-81AB-432B-8DAE-1953F412C126}" type="datetimeFigureOut">
               <a:rPr lang="en-US" smtClean="0"/>
-              <a:t>10/3/2022</a:t>
+              <a:t>10/4/2022</a:t>
             </a:fld>
             <a:endParaRPr lang="en-US" dirty="0"/>
           </a:p>
@@ -24118,7 +24127,7 @@
           <a:p>
             <a:fld id="{48A87A34-81AB-432B-8DAE-1953F412C126}" type="datetimeFigureOut">
               <a:rPr lang="en-US" smtClean="0"/>
-              <a:t>10/3/2022</a:t>
+              <a:t>10/4/2022</a:t>
             </a:fld>
             <a:endParaRPr lang="en-US" dirty="0"/>
           </a:p>
@@ -24236,7 +24245,7 @@
           <a:p>
             <a:fld id="{48A87A34-81AB-432B-8DAE-1953F412C126}" type="datetimeFigureOut">
               <a:rPr lang="en-US" smtClean="0"/>
-              <a:t>10/3/2022</a:t>
+              <a:t>10/4/2022</a:t>
             </a:fld>
             <a:endParaRPr lang="en-US" dirty="0"/>
           </a:p>
@@ -24331,7 +24340,7 @@
           <a:p>
             <a:fld id="{48A87A34-81AB-432B-8DAE-1953F412C126}" type="datetimeFigureOut">
               <a:rPr lang="en-US" smtClean="0"/>
-              <a:t>10/3/2022</a:t>
+              <a:t>10/4/2022</a:t>
             </a:fld>
             <a:endParaRPr lang="en-US" dirty="0"/>
           </a:p>
@@ -24610,7 +24619,7 @@
           <a:p>
             <a:fld id="{48A87A34-81AB-432B-8DAE-1953F412C126}" type="datetimeFigureOut">
               <a:rPr lang="en-US" smtClean="0"/>
-              <a:t>10/3/2022</a:t>
+              <a:t>10/4/2022</a:t>
             </a:fld>
             <a:endParaRPr lang="en-US" dirty="0"/>
           </a:p>
@@ -24885,7 +24894,7 @@
           <a:p>
             <a:fld id="{48A87A34-81AB-432B-8DAE-1953F412C126}" type="datetimeFigureOut">
               <a:rPr lang="en-US" smtClean="0"/>
-              <a:t>10/3/2022</a:t>
+              <a:t>10/4/2022</a:t>
             </a:fld>
             <a:endParaRPr lang="en-US" dirty="0"/>
           </a:p>
@@ -25315,7 +25324,7 @@
             <a:fld id="{48A87A34-81AB-432B-8DAE-1953F412C126}" type="datetimeFigureOut">
               <a:rPr lang="en-US" smtClean="0"/>
               <a:pPr/>
-              <a:t>10/3/2022</a:t>
+              <a:t>10/4/2022</a:t>
             </a:fld>
             <a:endParaRPr lang="en-US" dirty="0"/>
           </a:p>
@@ -26138,29 +26147,13 @@
           <a:p>
             <a:r>
               <a:rPr lang="en-US" dirty="0" smtClean="0"/>
-              <a:t>-This is traditional RAN setup where a remote radio unit ( RRU) and </a:t>
-            </a:r>
+              <a:t>-This is traditional RAN setup where a remote radio unit ( RRU) and baseband unit (BBU) are co-located at every cell site.</a:t>
+            </a:r>
+          </a:p>
+          <a:p>
             <a:r>
               <a:rPr lang="en-US" dirty="0" smtClean="0"/>
-              <a:t>baseband unit </a:t>
-            </a:r>
-            <a:r>
-              <a:rPr lang="en-US" dirty="0" smtClean="0"/>
-              <a:t>(BBU) are co-located at every cell site.</a:t>
-            </a:r>
-          </a:p>
-          <a:p>
-            <a:r>
-              <a:rPr lang="en-US" dirty="0" smtClean="0"/>
-              <a:t>-Backhaul is the interface  that is formed </a:t>
-            </a:r>
-            <a:r>
-              <a:rPr lang="en-US" dirty="0" smtClean="0"/>
-              <a:t>between </a:t>
-            </a:r>
-            <a:r>
-              <a:rPr lang="en-US" dirty="0" smtClean="0"/>
-              <a:t>the BBU pool and the core node( network)</a:t>
+              <a:t>-Backhaul is the interface  that is formed between the BBU pool and the core node( network)</a:t>
             </a:r>
             <a:endParaRPr lang="en-US" dirty="0"/>
           </a:p>
@@ -28304,14 +28297,7 @@
                 <a:latin typeface="Times New Roman" panose="02020603050405020304" pitchFamily="18" charset="0"/>
                 <a:cs typeface="Times New Roman" panose="02020603050405020304" pitchFamily="18" charset="0"/>
               </a:rPr>
-              <a:t>Control/user plane </a:t>
-            </a:r>
-            <a:r>
-              <a:rPr lang="en-US" sz="2800" dirty="0" smtClean="0">
-                <a:latin typeface="Times New Roman" panose="02020603050405020304" pitchFamily="18" charset="0"/>
-                <a:cs typeface="Times New Roman" panose="02020603050405020304" pitchFamily="18" charset="0"/>
-              </a:rPr>
-              <a:t>Separation </a:t>
+              <a:t>Control/user plane Separation </a:t>
             </a:r>
             <a:endParaRPr lang="en-US" sz="2800" dirty="0">
               <a:latin typeface="Times New Roman" panose="02020603050405020304" pitchFamily="18" charset="0"/>
@@ -28923,14 +28909,7 @@
                 <a:latin typeface="Times New Roman" panose="02020603050405020304" pitchFamily="18" charset="0"/>
                 <a:cs typeface="Times New Roman" panose="02020603050405020304" pitchFamily="18" charset="0"/>
               </a:rPr>
-              <a:t> Difference between </a:t>
-            </a:r>
-            <a:r>
-              <a:rPr lang="en-US" dirty="0" smtClean="0">
-                <a:latin typeface="Times New Roman" panose="02020603050405020304" pitchFamily="18" charset="0"/>
-                <a:cs typeface="Times New Roman" panose="02020603050405020304" pitchFamily="18" charset="0"/>
-              </a:rPr>
-              <a:t>SU-MIMO</a:t>
+              <a:t> Difference between SU-MIMO</a:t>
             </a:r>
           </a:p>
           <a:p>
@@ -28944,14 +28923,7 @@
                 <a:latin typeface="Times New Roman" panose="02020603050405020304" pitchFamily="18" charset="0"/>
                 <a:cs typeface="Times New Roman" panose="02020603050405020304" pitchFamily="18" charset="0"/>
               </a:rPr>
-              <a:t> </a:t>
-            </a:r>
-            <a:r>
-              <a:rPr lang="en-US" dirty="0" smtClean="0">
-                <a:latin typeface="Times New Roman" panose="02020603050405020304" pitchFamily="18" charset="0"/>
-                <a:cs typeface="Times New Roman" panose="02020603050405020304" pitchFamily="18" charset="0"/>
-              </a:rPr>
-              <a:t>( Single  User) and MU-MIMO ( Multiple User)</a:t>
+              <a:t> ( Single  User) and MU-MIMO ( Multiple User)</a:t>
             </a:r>
           </a:p>
           <a:p>
